--- a/10月3日報告資料.pptx
+++ b/10月3日報告資料.pptx
@@ -276,7 +276,7 @@
           <a:p>
             <a:fld id="{89BC84CB-B8B0-416C-B0D4-ADB4EE2EFAA4}" type="datetimeFigureOut">
               <a:rPr kumimoji="1" lang="ja-JP" altLang="en-US" smtClean="0"/>
-              <a:t>2025/10/3</a:t>
+              <a:t>2025/10/31</a:t>
             </a:fld>
             <a:endParaRPr kumimoji="1" lang="ja-JP" altLang="en-US"/>
           </a:p>
@@ -506,7 +506,7 @@
           <a:p>
             <a:fld id="{89BC84CB-B8B0-416C-B0D4-ADB4EE2EFAA4}" type="datetimeFigureOut">
               <a:rPr kumimoji="1" lang="ja-JP" altLang="en-US" smtClean="0"/>
-              <a:t>2025/10/3</a:t>
+              <a:t>2025/10/31</a:t>
             </a:fld>
             <a:endParaRPr kumimoji="1" lang="ja-JP" altLang="en-US"/>
           </a:p>
@@ -746,7 +746,7 @@
           <a:p>
             <a:fld id="{89BC84CB-B8B0-416C-B0D4-ADB4EE2EFAA4}" type="datetimeFigureOut">
               <a:rPr kumimoji="1" lang="ja-JP" altLang="en-US" smtClean="0"/>
-              <a:t>2025/10/3</a:t>
+              <a:t>2025/10/31</a:t>
             </a:fld>
             <a:endParaRPr kumimoji="1" lang="ja-JP" altLang="en-US"/>
           </a:p>
@@ -976,7 +976,7 @@
           <a:p>
             <a:fld id="{89BC84CB-B8B0-416C-B0D4-ADB4EE2EFAA4}" type="datetimeFigureOut">
               <a:rPr kumimoji="1" lang="ja-JP" altLang="en-US" smtClean="0"/>
-              <a:t>2025/10/3</a:t>
+              <a:t>2025/10/31</a:t>
             </a:fld>
             <a:endParaRPr kumimoji="1" lang="ja-JP" altLang="en-US"/>
           </a:p>
@@ -1251,7 +1251,7 @@
           <a:p>
             <a:fld id="{89BC84CB-B8B0-416C-B0D4-ADB4EE2EFAA4}" type="datetimeFigureOut">
               <a:rPr kumimoji="1" lang="ja-JP" altLang="en-US" smtClean="0"/>
-              <a:t>2025/10/3</a:t>
+              <a:t>2025/10/31</a:t>
             </a:fld>
             <a:endParaRPr kumimoji="1" lang="ja-JP" altLang="en-US"/>
           </a:p>
@@ -1580,7 +1580,7 @@
           <a:p>
             <a:fld id="{89BC84CB-B8B0-416C-B0D4-ADB4EE2EFAA4}" type="datetimeFigureOut">
               <a:rPr kumimoji="1" lang="ja-JP" altLang="en-US" smtClean="0"/>
-              <a:t>2025/10/3</a:t>
+              <a:t>2025/10/31</a:t>
             </a:fld>
             <a:endParaRPr kumimoji="1" lang="ja-JP" altLang="en-US"/>
           </a:p>
@@ -2056,7 +2056,7 @@
           <a:p>
             <a:fld id="{89BC84CB-B8B0-416C-B0D4-ADB4EE2EFAA4}" type="datetimeFigureOut">
               <a:rPr kumimoji="1" lang="ja-JP" altLang="en-US" smtClean="0"/>
-              <a:t>2025/10/3</a:t>
+              <a:t>2025/10/31</a:t>
             </a:fld>
             <a:endParaRPr kumimoji="1" lang="ja-JP" altLang="en-US"/>
           </a:p>
@@ -2197,7 +2197,7 @@
           <a:p>
             <a:fld id="{89BC84CB-B8B0-416C-B0D4-ADB4EE2EFAA4}" type="datetimeFigureOut">
               <a:rPr kumimoji="1" lang="ja-JP" altLang="en-US" smtClean="0"/>
-              <a:t>2025/10/3</a:t>
+              <a:t>2025/10/31</a:t>
             </a:fld>
             <a:endParaRPr kumimoji="1" lang="ja-JP" altLang="en-US"/>
           </a:p>
@@ -2310,7 +2310,7 @@
           <a:p>
             <a:fld id="{89BC84CB-B8B0-416C-B0D4-ADB4EE2EFAA4}" type="datetimeFigureOut">
               <a:rPr kumimoji="1" lang="ja-JP" altLang="en-US" smtClean="0"/>
-              <a:t>2025/10/3</a:t>
+              <a:t>2025/10/31</a:t>
             </a:fld>
             <a:endParaRPr kumimoji="1" lang="ja-JP" altLang="en-US"/>
           </a:p>
@@ -2653,7 +2653,7 @@
           <a:p>
             <a:fld id="{89BC84CB-B8B0-416C-B0D4-ADB4EE2EFAA4}" type="datetimeFigureOut">
               <a:rPr kumimoji="1" lang="ja-JP" altLang="en-US" smtClean="0"/>
-              <a:t>2025/10/3</a:t>
+              <a:t>2025/10/31</a:t>
             </a:fld>
             <a:endParaRPr kumimoji="1" lang="ja-JP" altLang="en-US"/>
           </a:p>
@@ -2941,7 +2941,7 @@
           <a:p>
             <a:fld id="{89BC84CB-B8B0-416C-B0D4-ADB4EE2EFAA4}" type="datetimeFigureOut">
               <a:rPr kumimoji="1" lang="ja-JP" altLang="en-US" smtClean="0"/>
-              <a:t>2025/10/3</a:t>
+              <a:t>2025/10/31</a:t>
             </a:fld>
             <a:endParaRPr kumimoji="1" lang="ja-JP" altLang="en-US"/>
           </a:p>
@@ -3214,7 +3214,7 @@
           <a:p>
             <a:fld id="{89BC84CB-B8B0-416C-B0D4-ADB4EE2EFAA4}" type="datetimeFigureOut">
               <a:rPr kumimoji="1" lang="ja-JP" altLang="en-US" smtClean="0"/>
-              <a:t>2025/10/3</a:t>
+              <a:t>2025/10/31</a:t>
             </a:fld>
             <a:endParaRPr kumimoji="1" lang="ja-JP" altLang="en-US"/>
           </a:p>
